--- a/Презентация.pptx
+++ b/Презентация.pptx
@@ -15,8 +15,10 @@
     <p:sldId id="263" r:id="rId9"/>
     <p:sldId id="264" r:id="rId10"/>
     <p:sldId id="265" r:id="rId11"/>
-    <p:sldId id="266" r:id="rId12"/>
-    <p:sldId id="267" r:id="rId13"/>
+    <p:sldId id="269" r:id="rId12"/>
+    <p:sldId id="268" r:id="rId13"/>
+    <p:sldId id="266" r:id="rId14"/>
+    <p:sldId id="267" r:id="rId15"/>
   </p:sldIdLst>
   <p:sldSz cx="9144000" cy="6858000" type="screen4x3"/>
   <p:notesSz cx="6858000" cy="9144000"/>
@@ -425,7 +427,7 @@
             <a:fld id="{5B106E36-FD25-4E2D-B0AA-010F637433A0}" type="datetimeFigureOut">
               <a:rPr lang="ru-RU" smtClean="0"/>
               <a:pPr/>
-              <a:t>25.01.2024</a:t>
+              <a:t>26.01.2024</a:t>
             </a:fld>
             <a:endParaRPr lang="ru-RU"/>
           </a:p>
@@ -612,7 +614,7 @@
             <a:fld id="{5B106E36-FD25-4E2D-B0AA-010F637433A0}" type="datetimeFigureOut">
               <a:rPr lang="ru-RU" smtClean="0"/>
               <a:pPr/>
-              <a:t>25.01.2024</a:t>
+              <a:t>26.01.2024</a:t>
             </a:fld>
             <a:endParaRPr lang="ru-RU"/>
           </a:p>
@@ -799,7 +801,7 @@
             <a:fld id="{5B106E36-FD25-4E2D-B0AA-010F637433A0}" type="datetimeFigureOut">
               <a:rPr lang="ru-RU" smtClean="0"/>
               <a:pPr/>
-              <a:t>25.01.2024</a:t>
+              <a:t>26.01.2024</a:t>
             </a:fld>
             <a:endParaRPr lang="ru-RU"/>
           </a:p>
@@ -986,7 +988,7 @@
             <a:fld id="{5B106E36-FD25-4E2D-B0AA-010F637433A0}" type="datetimeFigureOut">
               <a:rPr lang="ru-RU" smtClean="0"/>
               <a:pPr/>
-              <a:t>25.01.2024</a:t>
+              <a:t>26.01.2024</a:t>
             </a:fld>
             <a:endParaRPr lang="ru-RU"/>
           </a:p>
@@ -1369,7 +1371,7 @@
             <a:fld id="{5B106E36-FD25-4E2D-B0AA-010F637433A0}" type="datetimeFigureOut">
               <a:rPr lang="ru-RU" smtClean="0"/>
               <a:pPr/>
-              <a:t>25.01.2024</a:t>
+              <a:t>26.01.2024</a:t>
             </a:fld>
             <a:endParaRPr lang="ru-RU"/>
           </a:p>
@@ -1640,7 +1642,7 @@
             <a:fld id="{5B106E36-FD25-4E2D-B0AA-010F637433A0}" type="datetimeFigureOut">
               <a:rPr lang="ru-RU" smtClean="0"/>
               <a:pPr/>
-              <a:t>25.01.2024</a:t>
+              <a:t>26.01.2024</a:t>
             </a:fld>
             <a:endParaRPr lang="ru-RU"/>
           </a:p>
@@ -2027,7 +2029,7 @@
             <a:fld id="{5B106E36-FD25-4E2D-B0AA-010F637433A0}" type="datetimeFigureOut">
               <a:rPr lang="ru-RU" smtClean="0"/>
               <a:pPr/>
-              <a:t>25.01.2024</a:t>
+              <a:t>26.01.2024</a:t>
             </a:fld>
             <a:endParaRPr lang="ru-RU"/>
           </a:p>
@@ -2150,7 +2152,7 @@
             <a:fld id="{5B106E36-FD25-4E2D-B0AA-010F637433A0}" type="datetimeFigureOut">
               <a:rPr lang="ru-RU" smtClean="0"/>
               <a:pPr/>
-              <a:t>25.01.2024</a:t>
+              <a:t>26.01.2024</a:t>
             </a:fld>
             <a:endParaRPr lang="ru-RU"/>
           </a:p>
@@ -2332,7 +2334,7 @@
             <a:fld id="{5B106E36-FD25-4E2D-B0AA-010F637433A0}" type="datetimeFigureOut">
               <a:rPr lang="ru-RU" smtClean="0"/>
               <a:pPr/>
-              <a:t>25.01.2024</a:t>
+              <a:t>26.01.2024</a:t>
             </a:fld>
             <a:endParaRPr lang="ru-RU"/>
           </a:p>
@@ -2668,7 +2670,7 @@
             <a:fld id="{5B106E36-FD25-4E2D-B0AA-010F637433A0}" type="datetimeFigureOut">
               <a:rPr lang="ru-RU" smtClean="0"/>
               <a:pPr/>
-              <a:t>25.01.2024</a:t>
+              <a:t>26.01.2024</a:t>
             </a:fld>
             <a:endParaRPr lang="ru-RU"/>
           </a:p>
@@ -3039,7 +3041,7 @@
             <a:fld id="{5B106E36-FD25-4E2D-B0AA-010F637433A0}" type="datetimeFigureOut">
               <a:rPr lang="ru-RU" smtClean="0"/>
               <a:pPr/>
-              <a:t>25.01.2024</a:t>
+              <a:t>26.01.2024</a:t>
             </a:fld>
             <a:endParaRPr lang="ru-RU"/>
           </a:p>
@@ -3459,7 +3461,7 @@
             <a:fld id="{5B106E36-FD25-4E2D-B0AA-010F637433A0}" type="datetimeFigureOut">
               <a:rPr lang="ru-RU" smtClean="0"/>
               <a:pPr/>
-              <a:t>25.01.2024</a:t>
+              <a:t>26.01.2024</a:t>
             </a:fld>
             <a:endParaRPr lang="ru-RU"/>
           </a:p>
@@ -4093,6 +4095,275 @@
             <p:ph type="title"/>
           </p:nvPr>
         </p:nvSpPr>
+        <p:spPr/>
+        <p:txBody>
+          <a:bodyPr/>
+          <a:lstStyle/>
+          <a:p>
+            <a:endParaRPr lang="ru-RU"/>
+          </a:p>
+        </p:txBody>
+      </p:sp>
+      <p:pic>
+        <p:nvPicPr>
+          <p:cNvPr id="4" name="Содержимое 3" descr="Снимок экрана (1266).png"/>
+          <p:cNvPicPr>
+            <a:picLocks noGrp="1" noChangeAspect="1"/>
+          </p:cNvPicPr>
+          <p:nvPr>
+            <p:ph idx="1"/>
+          </p:nvPr>
+        </p:nvPicPr>
+        <p:blipFill>
+          <a:blip r:embed="rId2" cstate="print"/>
+          <a:stretch>
+            <a:fillRect/>
+          </a:stretch>
+        </p:blipFill>
+        <p:spPr>
+          <a:xfrm>
+            <a:off x="0" y="0"/>
+            <a:ext cx="11924271" cy="6858000"/>
+          </a:xfrm>
+        </p:spPr>
+      </p:pic>
+    </p:spTree>
+  </p:cSld>
+  <p:clrMapOvr>
+    <a:masterClrMapping/>
+  </p:clrMapOvr>
+</p:sld>
+</file>
+
+<file path=ppt/slides/slide12.xml><?xml version="1.0" encoding="utf-8"?>
+<p:sld xmlns:a="http://schemas.openxmlformats.org/drawingml/2006/main" xmlns:r="http://schemas.openxmlformats.org/officeDocument/2006/relationships" xmlns:p="http://schemas.openxmlformats.org/presentationml/2006/main">
+  <p:cSld>
+    <p:spTree>
+      <p:nvGrpSpPr>
+        <p:cNvPr id="1" name=""/>
+        <p:cNvGrpSpPr/>
+        <p:nvPr/>
+      </p:nvGrpSpPr>
+      <p:grpSpPr>
+        <a:xfrm>
+          <a:off x="0" y="0"/>
+          <a:ext cx="0" cy="0"/>
+          <a:chOff x="0" y="0"/>
+          <a:chExt cx="0" cy="0"/>
+        </a:xfrm>
+      </p:grpSpPr>
+      <p:sp>
+        <p:nvSpPr>
+          <p:cNvPr id="2" name="Заголовок 1"/>
+          <p:cNvSpPr>
+            <a:spLocks noGrp="1"/>
+          </p:cNvSpPr>
+          <p:nvPr>
+            <p:ph type="title"/>
+          </p:nvPr>
+        </p:nvSpPr>
+        <p:spPr>
+          <a:xfrm>
+            <a:off x="467544" y="1484784"/>
+            <a:ext cx="8183880" cy="4320480"/>
+          </a:xfrm>
+        </p:spPr>
+        <p:txBody>
+          <a:bodyPr>
+            <a:normAutofit/>
+          </a:bodyPr>
+          <a:lstStyle/>
+          <a:p>
+            <a:r>
+              <a:rPr lang="ru-RU" sz="2700" b="0" dirty="0" smtClean="0"/>
+              <a:t> </a:t>
+            </a:r>
+            <a:r>
+              <a:rPr lang="ru-RU" sz="2700" dirty="0" err="1" smtClean="0"/>
+              <a:t>requirements.txt</a:t>
+            </a:r>
+            <a:r>
+              <a:rPr lang="ru-RU" sz="2700" dirty="0" smtClean="0"/>
+              <a:t/>
+            </a:r>
+            <a:br>
+              <a:rPr lang="ru-RU" sz="2700" dirty="0" smtClean="0"/>
+            </a:br>
+            <a:r>
+              <a:rPr lang="ru-RU" sz="2700" dirty="0" smtClean="0"/>
+              <a:t> </a:t>
+            </a:r>
+            <a:r>
+              <a:rPr lang="ru-RU" sz="2700" dirty="0" smtClean="0"/>
+              <a:t>Стартовое окно</a:t>
+            </a:r>
+            <a:br>
+              <a:rPr lang="ru-RU" sz="2700" dirty="0" smtClean="0"/>
+            </a:br>
+            <a:r>
+              <a:rPr lang="ru-RU" sz="2700" dirty="0" smtClean="0"/>
+              <a:t> </a:t>
+            </a:r>
+            <a:r>
+              <a:rPr lang="ru-RU" sz="2700" dirty="0" smtClean="0"/>
+              <a:t>Финальное окно</a:t>
+            </a:r>
+            <a:br>
+              <a:rPr lang="ru-RU" sz="2700" dirty="0" smtClean="0"/>
+            </a:br>
+            <a:r>
+              <a:rPr lang="ru-RU" sz="2700" dirty="0" smtClean="0"/>
+              <a:t> </a:t>
+            </a:r>
+            <a:r>
+              <a:rPr lang="ru-RU" sz="2700" dirty="0" smtClean="0"/>
+              <a:t>Подсчет результатов</a:t>
+            </a:r>
+            <a:br>
+              <a:rPr lang="ru-RU" sz="2700" dirty="0" smtClean="0"/>
+            </a:br>
+            <a:r>
+              <a:rPr lang="ru-RU" sz="2700" dirty="0" smtClean="0"/>
+              <a:t> </a:t>
+            </a:r>
+            <a:r>
+              <a:rPr lang="ru-RU" sz="2700" dirty="0" smtClean="0"/>
+              <a:t>Спрайты</a:t>
+            </a:r>
+            <a:br>
+              <a:rPr lang="ru-RU" sz="2700" dirty="0" smtClean="0"/>
+            </a:br>
+            <a:r>
+              <a:rPr lang="ru-RU" sz="2700" dirty="0" smtClean="0"/>
+              <a:t> </a:t>
+            </a:r>
+            <a:r>
+              <a:rPr lang="ru-RU" sz="2700" dirty="0" err="1" smtClean="0"/>
+              <a:t>collide</a:t>
+            </a:r>
+            <a:r>
+              <a:rPr lang="ru-RU" sz="2700" dirty="0" smtClean="0"/>
+              <a:t/>
+            </a:r>
+            <a:br>
+              <a:rPr lang="ru-RU" sz="2700" dirty="0" smtClean="0"/>
+            </a:br>
+            <a:r>
+              <a:rPr lang="ru-RU" sz="2700" dirty="0" smtClean="0"/>
+              <a:t> </a:t>
+            </a:r>
+            <a:r>
+              <a:rPr lang="ru-RU" sz="2700" dirty="0" smtClean="0"/>
+              <a:t>Анимация</a:t>
+            </a:r>
+            <a:br>
+              <a:rPr lang="ru-RU" sz="2700" dirty="0" smtClean="0"/>
+            </a:br>
+            <a:r>
+              <a:rPr lang="ru-RU" sz="2700" dirty="0" smtClean="0"/>
+              <a:t> </a:t>
+            </a:r>
+            <a:r>
+              <a:rPr lang="ru-RU" sz="2700" dirty="0" smtClean="0"/>
+              <a:t>Несколько уровней</a:t>
+            </a:r>
+            <a:br>
+              <a:rPr lang="ru-RU" sz="2700" dirty="0" smtClean="0"/>
+            </a:br>
+            <a:r>
+              <a:rPr lang="ru-RU" sz="2700" dirty="0" smtClean="0"/>
+              <a:t> </a:t>
+            </a:r>
+            <a:r>
+              <a:rPr lang="ru-RU" sz="2700" dirty="0" smtClean="0"/>
+              <a:t>Хранение </a:t>
+            </a:r>
+            <a:r>
+              <a:rPr lang="ru-RU" sz="2700" dirty="0" smtClean="0"/>
+              <a:t>данных </a:t>
+            </a:r>
+            <a:br>
+              <a:rPr lang="ru-RU" sz="2700" dirty="0" smtClean="0"/>
+            </a:br>
+            <a:r>
+              <a:rPr lang="ru-RU" sz="2700" dirty="0" smtClean="0"/>
+              <a:t> Музыка</a:t>
+            </a:r>
+            <a:endParaRPr lang="ru-RU" dirty="0"/>
+          </a:p>
+        </p:txBody>
+      </p:sp>
+      <p:sp>
+        <p:nvSpPr>
+          <p:cNvPr id="3" name="Содержимое 2"/>
+          <p:cNvSpPr>
+            <a:spLocks noGrp="1"/>
+          </p:cNvSpPr>
+          <p:nvPr>
+            <p:ph idx="1"/>
+          </p:nvPr>
+        </p:nvSpPr>
+        <p:spPr>
+          <a:xfrm>
+            <a:off x="502920" y="530352"/>
+            <a:ext cx="8183880" cy="1242464"/>
+          </a:xfrm>
+        </p:spPr>
+        <p:txBody>
+          <a:bodyPr/>
+          <a:lstStyle/>
+          <a:p>
+            <a:r>
+              <a:rPr lang="ru-RU" dirty="0" err="1" smtClean="0"/>
+              <a:t>Приминёные</a:t>
+            </a:r>
+            <a:r>
+              <a:rPr lang="ru-RU" dirty="0" smtClean="0"/>
+              <a:t> технологии</a:t>
+            </a:r>
+            <a:r>
+              <a:rPr lang="en-US" dirty="0" smtClean="0"/>
+              <a:t>:</a:t>
+            </a:r>
+            <a:endParaRPr lang="ru-RU" dirty="0"/>
+          </a:p>
+        </p:txBody>
+      </p:sp>
+    </p:spTree>
+  </p:cSld>
+  <p:clrMapOvr>
+    <a:masterClrMapping/>
+  </p:clrMapOvr>
+</p:sld>
+</file>
+
+<file path=ppt/slides/slide13.xml><?xml version="1.0" encoding="utf-8"?>
+<p:sld xmlns:a="http://schemas.openxmlformats.org/drawingml/2006/main" xmlns:r="http://schemas.openxmlformats.org/officeDocument/2006/relationships" xmlns:p="http://schemas.openxmlformats.org/presentationml/2006/main">
+  <p:cSld>
+    <p:spTree>
+      <p:nvGrpSpPr>
+        <p:cNvPr id="1" name=""/>
+        <p:cNvGrpSpPr/>
+        <p:nvPr/>
+      </p:nvGrpSpPr>
+      <p:grpSpPr>
+        <a:xfrm>
+          <a:off x="0" y="0"/>
+          <a:ext cx="0" cy="0"/>
+          <a:chOff x="0" y="0"/>
+          <a:chExt cx="0" cy="0"/>
+        </a:xfrm>
+      </p:grpSpPr>
+      <p:sp>
+        <p:nvSpPr>
+          <p:cNvPr id="2" name="Заголовок 1"/>
+          <p:cNvSpPr>
+            <a:spLocks noGrp="1"/>
+          </p:cNvSpPr>
+          <p:nvPr>
+            <p:ph type="title"/>
+          </p:nvPr>
+        </p:nvSpPr>
         <p:spPr>
           <a:xfrm>
             <a:off x="467544" y="2204864"/>
@@ -4163,7 +4434,7 @@
 </p:sld>
 </file>
 
-<file path=ppt/slides/slide12.xml><?xml version="1.0" encoding="utf-8"?>
+<file path=ppt/slides/slide14.xml><?xml version="1.0" encoding="utf-8"?>
 <p:sld xmlns:a="http://schemas.openxmlformats.org/drawingml/2006/main" xmlns:r="http://schemas.openxmlformats.org/officeDocument/2006/relationships" xmlns:p="http://schemas.openxmlformats.org/presentationml/2006/main">
   <p:cSld>
     <p:spTree>
